--- a/presenatation/Capstone Design Final Presentation 2018.pptx
+++ b/presenatation/Capstone Design Final Presentation 2018.pptx
@@ -5,7 +5,7 @@
     <p:sldMasterId id="2147483648" r:id="rId1"/>
   </p:sldMasterIdLst>
   <p:notesMasterIdLst>
-    <p:notesMasterId r:id="rId13"/>
+    <p:notesMasterId r:id="rId15"/>
   </p:notesMasterIdLst>
   <p:sldIdLst>
     <p:sldId id="256" r:id="rId2"/>
@@ -15,10 +15,12 @@
     <p:sldId id="261" r:id="rId6"/>
     <p:sldId id="262" r:id="rId7"/>
     <p:sldId id="267" r:id="rId8"/>
-    <p:sldId id="263" r:id="rId9"/>
-    <p:sldId id="264" r:id="rId10"/>
-    <p:sldId id="265" r:id="rId11"/>
-    <p:sldId id="266" r:id="rId12"/>
+    <p:sldId id="268" r:id="rId9"/>
+    <p:sldId id="269" r:id="rId10"/>
+    <p:sldId id="263" r:id="rId11"/>
+    <p:sldId id="264" r:id="rId12"/>
+    <p:sldId id="265" r:id="rId13"/>
+    <p:sldId id="266" r:id="rId14"/>
   </p:sldIdLst>
   <p:sldSz cx="12192000" cy="6858000"/>
   <p:notesSz cx="6858000" cy="9144000"/>
@@ -119,7 +121,7 @@
   </p:defaultTextStyle>
   <p:extLst>
     <p:ext uri="{EFAFB233-063F-42B5-8137-9DF3F51BA10A}">
-      <p15:sldGuideLst xmlns:p15="http://schemas.microsoft.com/office/powerpoint/2012/main"/>
+      <p15:sldGuideLst xmlns:p15="http://schemas.microsoft.com/office/powerpoint/2012/main" xmlns=""/>
     </p:ext>
   </p:extLst>
 </p:presentation>
@@ -207,7 +209,8 @@
           <a:p>
             <a:fld id="{579574CA-F7B1-4344-B51D-9323C7FCD4DD}" type="datetimeFigureOut">
               <a:rPr lang="en-US" smtClean="0"/>
-              <a:t>12/16/2018</a:t>
+              <a:pPr/>
+              <a:t>12/18/2018</a:t>
             </a:fld>
             <a:endParaRPr lang="en-US"/>
           </a:p>
@@ -366,6 +369,7 @@
           <a:p>
             <a:fld id="{A065043C-FA93-4A1D-90FF-1891F5E2A5D9}" type="slidenum">
               <a:rPr lang="en-US" smtClean="0"/>
+              <a:pPr/>
               <a:t>‹#›</a:t>
             </a:fld>
             <a:endParaRPr lang="en-US"/>
@@ -375,7 +379,7 @@
     </p:spTree>
     <p:extLst>
       <p:ext uri="{BB962C8B-B14F-4D97-AF65-F5344CB8AC3E}">
-        <p14:creationId xmlns:p14="http://schemas.microsoft.com/office/powerpoint/2010/main" val="3630091955"/>
+        <p14:creationId xmlns:p14="http://schemas.microsoft.com/office/powerpoint/2010/main" xmlns="" val="3630091955"/>
       </p:ext>
     </p:extLst>
   </p:cSld>
@@ -606,7 +610,8 @@
           <a:p>
             <a:fld id="{4253A7DF-3CAC-4111-8509-034773CEAC02}" type="datetimeFigureOut">
               <a:rPr lang="en-US" smtClean="0"/>
-              <a:t>12/16/2018</a:t>
+              <a:pPr/>
+              <a:t>12/18/2018</a:t>
             </a:fld>
             <a:endParaRPr lang="en-US"/>
           </a:p>
@@ -648,6 +653,7 @@
           <a:p>
             <a:fld id="{C38F06BD-6D1E-402E-A049-CC9F9A542792}" type="slidenum">
               <a:rPr lang="en-US" smtClean="0"/>
+              <a:pPr/>
               <a:t>‹#›</a:t>
             </a:fld>
             <a:endParaRPr lang="en-US"/>
@@ -657,7 +663,7 @@
     </p:spTree>
     <p:extLst>
       <p:ext uri="{BB962C8B-B14F-4D97-AF65-F5344CB8AC3E}">
-        <p14:creationId xmlns:p14="http://schemas.microsoft.com/office/powerpoint/2010/main" val="818560958"/>
+        <p14:creationId xmlns:p14="http://schemas.microsoft.com/office/powerpoint/2010/main" xmlns="" val="818560958"/>
       </p:ext>
     </p:extLst>
   </p:cSld>
@@ -776,7 +782,8 @@
           <a:p>
             <a:fld id="{4253A7DF-3CAC-4111-8509-034773CEAC02}" type="datetimeFigureOut">
               <a:rPr lang="en-US" smtClean="0"/>
-              <a:t>12/16/2018</a:t>
+              <a:pPr/>
+              <a:t>12/18/2018</a:t>
             </a:fld>
             <a:endParaRPr lang="en-US"/>
           </a:p>
@@ -818,6 +825,7 @@
           <a:p>
             <a:fld id="{C38F06BD-6D1E-402E-A049-CC9F9A542792}" type="slidenum">
               <a:rPr lang="en-US" smtClean="0"/>
+              <a:pPr/>
               <a:t>‹#›</a:t>
             </a:fld>
             <a:endParaRPr lang="en-US"/>
@@ -827,7 +835,7 @@
     </p:spTree>
     <p:extLst>
       <p:ext uri="{BB962C8B-B14F-4D97-AF65-F5344CB8AC3E}">
-        <p14:creationId xmlns:p14="http://schemas.microsoft.com/office/powerpoint/2010/main" val="2154241214"/>
+        <p14:creationId xmlns:p14="http://schemas.microsoft.com/office/powerpoint/2010/main" xmlns="" val="2154241214"/>
       </p:ext>
     </p:extLst>
   </p:cSld>
@@ -956,7 +964,8 @@
           <a:p>
             <a:fld id="{4253A7DF-3CAC-4111-8509-034773CEAC02}" type="datetimeFigureOut">
               <a:rPr lang="en-US" smtClean="0"/>
-              <a:t>12/16/2018</a:t>
+              <a:pPr/>
+              <a:t>12/18/2018</a:t>
             </a:fld>
             <a:endParaRPr lang="en-US"/>
           </a:p>
@@ -998,6 +1007,7 @@
           <a:p>
             <a:fld id="{C38F06BD-6D1E-402E-A049-CC9F9A542792}" type="slidenum">
               <a:rPr lang="en-US" smtClean="0"/>
+              <a:pPr/>
               <a:t>‹#›</a:t>
             </a:fld>
             <a:endParaRPr lang="en-US"/>
@@ -1007,7 +1017,7 @@
     </p:spTree>
     <p:extLst>
       <p:ext uri="{BB962C8B-B14F-4D97-AF65-F5344CB8AC3E}">
-        <p14:creationId xmlns:p14="http://schemas.microsoft.com/office/powerpoint/2010/main" val="2016235922"/>
+        <p14:creationId xmlns:p14="http://schemas.microsoft.com/office/powerpoint/2010/main" xmlns="" val="2016235922"/>
       </p:ext>
     </p:extLst>
   </p:cSld>
@@ -1126,7 +1136,8 @@
           <a:p>
             <a:fld id="{4253A7DF-3CAC-4111-8509-034773CEAC02}" type="datetimeFigureOut">
               <a:rPr lang="en-US" smtClean="0"/>
-              <a:t>12/16/2018</a:t>
+              <a:pPr/>
+              <a:t>12/18/2018</a:t>
             </a:fld>
             <a:endParaRPr lang="en-US"/>
           </a:p>
@@ -1168,6 +1179,7 @@
           <a:p>
             <a:fld id="{C38F06BD-6D1E-402E-A049-CC9F9A542792}" type="slidenum">
               <a:rPr lang="en-US" smtClean="0"/>
+              <a:pPr/>
               <a:t>‹#›</a:t>
             </a:fld>
             <a:endParaRPr lang="en-US"/>
@@ -1177,7 +1189,7 @@
     </p:spTree>
     <p:extLst>
       <p:ext uri="{BB962C8B-B14F-4D97-AF65-F5344CB8AC3E}">
-        <p14:creationId xmlns:p14="http://schemas.microsoft.com/office/powerpoint/2010/main" val="3820113833"/>
+        <p14:creationId xmlns:p14="http://schemas.microsoft.com/office/powerpoint/2010/main" xmlns="" val="3820113833"/>
       </p:ext>
     </p:extLst>
   </p:cSld>
@@ -1372,7 +1384,8 @@
           <a:p>
             <a:fld id="{4253A7DF-3CAC-4111-8509-034773CEAC02}" type="datetimeFigureOut">
               <a:rPr lang="en-US" smtClean="0"/>
-              <a:t>12/16/2018</a:t>
+              <a:pPr/>
+              <a:t>12/18/2018</a:t>
             </a:fld>
             <a:endParaRPr lang="en-US"/>
           </a:p>
@@ -1414,6 +1427,7 @@
           <a:p>
             <a:fld id="{C38F06BD-6D1E-402E-A049-CC9F9A542792}" type="slidenum">
               <a:rPr lang="en-US" smtClean="0"/>
+              <a:pPr/>
               <a:t>‹#›</a:t>
             </a:fld>
             <a:endParaRPr lang="en-US"/>
@@ -1423,7 +1437,7 @@
     </p:spTree>
     <p:extLst>
       <p:ext uri="{BB962C8B-B14F-4D97-AF65-F5344CB8AC3E}">
-        <p14:creationId xmlns:p14="http://schemas.microsoft.com/office/powerpoint/2010/main" val="3383689565"/>
+        <p14:creationId xmlns:p14="http://schemas.microsoft.com/office/powerpoint/2010/main" xmlns="" val="3383689565"/>
       </p:ext>
     </p:extLst>
   </p:cSld>
@@ -1604,7 +1618,8 @@
           <a:p>
             <a:fld id="{4253A7DF-3CAC-4111-8509-034773CEAC02}" type="datetimeFigureOut">
               <a:rPr lang="en-US" smtClean="0"/>
-              <a:t>12/16/2018</a:t>
+              <a:pPr/>
+              <a:t>12/18/2018</a:t>
             </a:fld>
             <a:endParaRPr lang="en-US"/>
           </a:p>
@@ -1646,6 +1661,7 @@
           <a:p>
             <a:fld id="{C38F06BD-6D1E-402E-A049-CC9F9A542792}" type="slidenum">
               <a:rPr lang="en-US" smtClean="0"/>
+              <a:pPr/>
               <a:t>‹#›</a:t>
             </a:fld>
             <a:endParaRPr lang="en-US"/>
@@ -1655,7 +1671,7 @@
     </p:spTree>
     <p:extLst>
       <p:ext uri="{BB962C8B-B14F-4D97-AF65-F5344CB8AC3E}">
-        <p14:creationId xmlns:p14="http://schemas.microsoft.com/office/powerpoint/2010/main" val="3918395061"/>
+        <p14:creationId xmlns:p14="http://schemas.microsoft.com/office/powerpoint/2010/main" xmlns="" val="3918395061"/>
       </p:ext>
     </p:extLst>
   </p:cSld>
@@ -1971,7 +1987,8 @@
           <a:p>
             <a:fld id="{4253A7DF-3CAC-4111-8509-034773CEAC02}" type="datetimeFigureOut">
               <a:rPr lang="en-US" smtClean="0"/>
-              <a:t>12/16/2018</a:t>
+              <a:pPr/>
+              <a:t>12/18/2018</a:t>
             </a:fld>
             <a:endParaRPr lang="en-US"/>
           </a:p>
@@ -2013,6 +2030,7 @@
           <a:p>
             <a:fld id="{C38F06BD-6D1E-402E-A049-CC9F9A542792}" type="slidenum">
               <a:rPr lang="en-US" smtClean="0"/>
+              <a:pPr/>
               <a:t>‹#›</a:t>
             </a:fld>
             <a:endParaRPr lang="en-US"/>
@@ -2022,7 +2040,7 @@
     </p:spTree>
     <p:extLst>
       <p:ext uri="{BB962C8B-B14F-4D97-AF65-F5344CB8AC3E}">
-        <p14:creationId xmlns:p14="http://schemas.microsoft.com/office/powerpoint/2010/main" val="99066781"/>
+        <p14:creationId xmlns:p14="http://schemas.microsoft.com/office/powerpoint/2010/main" xmlns="" val="99066781"/>
       </p:ext>
     </p:extLst>
   </p:cSld>
@@ -2089,7 +2107,8 @@
           <a:p>
             <a:fld id="{4253A7DF-3CAC-4111-8509-034773CEAC02}" type="datetimeFigureOut">
               <a:rPr lang="en-US" smtClean="0"/>
-              <a:t>12/16/2018</a:t>
+              <a:pPr/>
+              <a:t>12/18/2018</a:t>
             </a:fld>
             <a:endParaRPr lang="en-US"/>
           </a:p>
@@ -2131,6 +2150,7 @@
           <a:p>
             <a:fld id="{C38F06BD-6D1E-402E-A049-CC9F9A542792}" type="slidenum">
               <a:rPr lang="en-US" smtClean="0"/>
+              <a:pPr/>
               <a:t>‹#›</a:t>
             </a:fld>
             <a:endParaRPr lang="en-US"/>
@@ -2140,7 +2160,7 @@
     </p:spTree>
     <p:extLst>
       <p:ext uri="{BB962C8B-B14F-4D97-AF65-F5344CB8AC3E}">
-        <p14:creationId xmlns:p14="http://schemas.microsoft.com/office/powerpoint/2010/main" val="1266522195"/>
+        <p14:creationId xmlns:p14="http://schemas.microsoft.com/office/powerpoint/2010/main" xmlns="" val="1266522195"/>
       </p:ext>
     </p:extLst>
   </p:cSld>
@@ -2184,7 +2204,8 @@
           <a:p>
             <a:fld id="{4253A7DF-3CAC-4111-8509-034773CEAC02}" type="datetimeFigureOut">
               <a:rPr lang="en-US" smtClean="0"/>
-              <a:t>12/16/2018</a:t>
+              <a:pPr/>
+              <a:t>12/18/2018</a:t>
             </a:fld>
             <a:endParaRPr lang="en-US"/>
           </a:p>
@@ -2226,6 +2247,7 @@
           <a:p>
             <a:fld id="{C38F06BD-6D1E-402E-A049-CC9F9A542792}" type="slidenum">
               <a:rPr lang="en-US" smtClean="0"/>
+              <a:pPr/>
               <a:t>‹#›</a:t>
             </a:fld>
             <a:endParaRPr lang="en-US"/>
@@ -2235,7 +2257,7 @@
     </p:spTree>
     <p:extLst>
       <p:ext uri="{BB962C8B-B14F-4D97-AF65-F5344CB8AC3E}">
-        <p14:creationId xmlns:p14="http://schemas.microsoft.com/office/powerpoint/2010/main" val="2847716512"/>
+        <p14:creationId xmlns:p14="http://schemas.microsoft.com/office/powerpoint/2010/main" xmlns="" val="2847716512"/>
       </p:ext>
     </p:extLst>
   </p:cSld>
@@ -2461,7 +2483,8 @@
           <a:p>
             <a:fld id="{4253A7DF-3CAC-4111-8509-034773CEAC02}" type="datetimeFigureOut">
               <a:rPr lang="en-US" smtClean="0"/>
-              <a:t>12/16/2018</a:t>
+              <a:pPr/>
+              <a:t>12/18/2018</a:t>
             </a:fld>
             <a:endParaRPr lang="en-US"/>
           </a:p>
@@ -2503,6 +2526,7 @@
           <a:p>
             <a:fld id="{C38F06BD-6D1E-402E-A049-CC9F9A542792}" type="slidenum">
               <a:rPr lang="en-US" smtClean="0"/>
+              <a:pPr/>
               <a:t>‹#›</a:t>
             </a:fld>
             <a:endParaRPr lang="en-US"/>
@@ -2512,7 +2536,7 @@
     </p:spTree>
     <p:extLst>
       <p:ext uri="{BB962C8B-B14F-4D97-AF65-F5344CB8AC3E}">
-        <p14:creationId xmlns:p14="http://schemas.microsoft.com/office/powerpoint/2010/main" val="3810490887"/>
+        <p14:creationId xmlns:p14="http://schemas.microsoft.com/office/powerpoint/2010/main" xmlns="" val="3810490887"/>
       </p:ext>
     </p:extLst>
   </p:cSld>
@@ -2714,7 +2738,8 @@
           <a:p>
             <a:fld id="{4253A7DF-3CAC-4111-8509-034773CEAC02}" type="datetimeFigureOut">
               <a:rPr lang="en-US" smtClean="0"/>
-              <a:t>12/16/2018</a:t>
+              <a:pPr/>
+              <a:t>12/18/2018</a:t>
             </a:fld>
             <a:endParaRPr lang="en-US"/>
           </a:p>
@@ -2756,6 +2781,7 @@
           <a:p>
             <a:fld id="{C38F06BD-6D1E-402E-A049-CC9F9A542792}" type="slidenum">
               <a:rPr lang="en-US" smtClean="0"/>
+              <a:pPr/>
               <a:t>‹#›</a:t>
             </a:fld>
             <a:endParaRPr lang="en-US"/>
@@ -2765,7 +2791,7 @@
     </p:spTree>
     <p:extLst>
       <p:ext uri="{BB962C8B-B14F-4D97-AF65-F5344CB8AC3E}">
-        <p14:creationId xmlns:p14="http://schemas.microsoft.com/office/powerpoint/2010/main" val="835696031"/>
+        <p14:creationId xmlns:p14="http://schemas.microsoft.com/office/powerpoint/2010/main" xmlns="" val="835696031"/>
       </p:ext>
     </p:extLst>
   </p:cSld>
@@ -2927,7 +2953,8 @@
           <a:p>
             <a:fld id="{4253A7DF-3CAC-4111-8509-034773CEAC02}" type="datetimeFigureOut">
               <a:rPr lang="en-US" smtClean="0"/>
-              <a:t>12/16/2018</a:t>
+              <a:pPr/>
+              <a:t>12/18/2018</a:t>
             </a:fld>
             <a:endParaRPr lang="en-US"/>
           </a:p>
@@ -3005,6 +3032,7 @@
           <a:p>
             <a:fld id="{C38F06BD-6D1E-402E-A049-CC9F9A542792}" type="slidenum">
               <a:rPr lang="en-US" smtClean="0"/>
+              <a:pPr/>
               <a:t>‹#›</a:t>
             </a:fld>
             <a:endParaRPr lang="en-US"/>
@@ -3014,7 +3042,7 @@
     </p:spTree>
     <p:extLst>
       <p:ext uri="{BB962C8B-B14F-4D97-AF65-F5344CB8AC3E}">
-        <p14:creationId xmlns:p14="http://schemas.microsoft.com/office/powerpoint/2010/main" val="1048917485"/>
+        <p14:creationId xmlns:p14="http://schemas.microsoft.com/office/powerpoint/2010/main" xmlns="" val="1048917485"/>
       </p:ext>
     </p:extLst>
   </p:cSld>
@@ -3574,7 +3602,7 @@
     </p:spTree>
     <p:extLst>
       <p:ext uri="{BB962C8B-B14F-4D97-AF65-F5344CB8AC3E}">
-        <p14:creationId xmlns:p14="http://schemas.microsoft.com/office/powerpoint/2010/main" val="1252245989"/>
+        <p14:creationId xmlns:p14="http://schemas.microsoft.com/office/powerpoint/2010/main" xmlns="" val="1252245989"/>
       </p:ext>
     </p:extLst>
   </p:cSld>
@@ -3620,8 +3648,8 @@
         </p:nvSpPr>
         <p:spPr>
           <a:xfrm>
-            <a:off x="0" y="651754"/>
-            <a:ext cx="12192000" cy="856034"/>
+            <a:off x="0" y="365125"/>
+            <a:ext cx="12192000" cy="773011"/>
           </a:xfrm>
           <a:solidFill>
             <a:schemeClr val="bg1">
@@ -3636,7 +3664,7 @@
             <a:pPr algn="ctr"/>
             <a:r>
               <a:rPr lang="en-US" b="1" dirty="0" smtClean="0"/>
-              <a:t>Future work</a:t>
+              <a:t>Summary of the Project</a:t>
             </a:r>
             <a:endParaRPr lang="en-US" b="1" dirty="0"/>
           </a:p>
@@ -3654,24 +3682,22 @@
         </p:nvSpPr>
         <p:spPr>
           <a:xfrm>
-            <a:off x="838200" y="1825625"/>
-            <a:ext cx="10515600" cy="3536950"/>
+            <a:off x="638175" y="1549400"/>
+            <a:ext cx="11112838" cy="4351338"/>
           </a:xfrm>
         </p:spPr>
         <p:txBody>
-          <a:bodyPr/>
+          <a:bodyPr>
+            <a:normAutofit/>
+          </a:bodyPr>
           <a:lstStyle/>
           <a:p>
             <a:pPr marL="0" indent="0">
               <a:buNone/>
             </a:pPr>
             <a:r>
-              <a:rPr lang="en-US" dirty="0"/>
-              <a:t>In the future, more functions and new technologies can be carried out on this system and more features can be </a:t>
-            </a:r>
-            <a:r>
               <a:rPr lang="en-US" dirty="0" smtClean="0"/>
-              <a:t>incorporated. </a:t>
+              <a:t>We have achieved the security system that works with</a:t>
             </a:r>
           </a:p>
           <a:p>
@@ -3680,13 +3706,16 @@
             </a:pPr>
             <a:r>
               <a:rPr lang="en-US" dirty="0" smtClean="0"/>
-              <a:t>For </a:t>
-            </a:r>
-            <a:r>
-              <a:rPr lang="en-US" dirty="0"/>
-              <a:t>instance we can implement the designed digital lock technology that can sense physical impact of unauthorized visitor and notify the host user’s mobile device. </a:t>
-            </a:r>
-            <a:endParaRPr lang="en-US" dirty="0" smtClean="0"/>
+              <a:t>Raspberry Pi. This system gives us the product </a:t>
+            </a:r>
+            <a:r>
+              <a:rPr lang="en-US" dirty="0" err="1" smtClean="0"/>
+              <a:t>Penta</a:t>
+            </a:r>
+            <a:r>
+              <a:rPr lang="en-US" dirty="0" smtClean="0"/>
+              <a:t> that</a:t>
+            </a:r>
           </a:p>
           <a:p>
             <a:pPr marL="0" indent="0">
@@ -3694,21 +3723,47 @@
             </a:pPr>
             <a:r>
               <a:rPr lang="en-US" dirty="0" smtClean="0"/>
-              <a:t>Besides</a:t>
-            </a:r>
-            <a:r>
-              <a:rPr lang="en-US" dirty="0"/>
-              <a:t>, we also think about to develop our system with QR coded and digitized cards which means, the users can utilize them in terms of unlocking the door.</a:t>
-            </a:r>
-          </a:p>
-          <a:p>
-            <a:endParaRPr lang="en-US" dirty="0" smtClean="0"/>
+              <a:t>holds a few technologies such as: (The Part of Capstone Design Class)</a:t>
+            </a:r>
+          </a:p>
+          <a:p>
+            <a:pPr>
+              <a:buFont typeface="Wingdings" panose="05000000000000000000" pitchFamily="2" charset="2"/>
+              <a:buChar char="§"/>
+            </a:pPr>
+            <a:r>
+              <a:rPr lang="en-US" dirty="0" smtClean="0"/>
+              <a:t>Face recognition;                                       </a:t>
+            </a:r>
+          </a:p>
+          <a:p>
+            <a:pPr>
+              <a:buFont typeface="Wingdings" panose="05000000000000000000" pitchFamily="2" charset="2"/>
+              <a:buChar char="§"/>
+            </a:pPr>
+            <a:r>
+              <a:rPr lang="en-US" dirty="0" smtClean="0"/>
+              <a:t>Fingerprint System;</a:t>
+            </a:r>
+          </a:p>
+          <a:p>
+            <a:pPr>
+              <a:buFont typeface="Wingdings" panose="05000000000000000000" pitchFamily="2" charset="2"/>
+              <a:buChar char="§"/>
+            </a:pPr>
+            <a:r>
+              <a:rPr lang="en-US" dirty="0" smtClean="0"/>
+              <a:t>Magic Mirror.</a:t>
+            </a:r>
           </a:p>
           <a:p>
             <a:pPr marL="0" indent="0">
               <a:buNone/>
             </a:pPr>
-            <a:endParaRPr lang="en-US" dirty="0"/>
+            <a:r>
+              <a:rPr lang="en-US" dirty="0" smtClean="0"/>
+              <a:t>They all work interactively with each other. We have achieved to run main parts of the coding process in Python programming language using the Linux Operating System. </a:t>
+            </a:r>
           </a:p>
         </p:txBody>
       </p:sp>
@@ -3776,7 +3831,7 @@
     </p:spTree>
     <p:extLst>
       <p:ext uri="{BB962C8B-B14F-4D97-AF65-F5344CB8AC3E}">
-        <p14:creationId xmlns:p14="http://schemas.microsoft.com/office/powerpoint/2010/main" val="519668527"/>
+        <p14:creationId xmlns:p14="http://schemas.microsoft.com/office/powerpoint/2010/main" xmlns="" val="1260583084"/>
       </p:ext>
     </p:extLst>
   </p:cSld>
@@ -3794,6 +3849,396 @@
 </file>
 
 <file path=ppt/slides/slide11.xml><?xml version="1.0" encoding="utf-8"?>
+<p:sld xmlns:a="http://schemas.openxmlformats.org/drawingml/2006/main" xmlns:r="http://schemas.openxmlformats.org/officeDocument/2006/relationships" xmlns:p="http://schemas.openxmlformats.org/presentationml/2006/main">
+  <p:cSld>
+    <p:spTree>
+      <p:nvGrpSpPr>
+        <p:cNvPr id="1" name=""/>
+        <p:cNvGrpSpPr/>
+        <p:nvPr/>
+      </p:nvGrpSpPr>
+      <p:grpSpPr>
+        <a:xfrm>
+          <a:off x="0" y="0"/>
+          <a:ext cx="0" cy="0"/>
+          <a:chOff x="0" y="0"/>
+          <a:chExt cx="0" cy="0"/>
+        </a:xfrm>
+      </p:grpSpPr>
+      <p:sp>
+        <p:nvSpPr>
+          <p:cNvPr id="2" name="Title 1"/>
+          <p:cNvSpPr>
+            <a:spLocks noGrp="1"/>
+          </p:cNvSpPr>
+          <p:nvPr>
+            <p:ph type="title"/>
+          </p:nvPr>
+        </p:nvSpPr>
+        <p:spPr>
+          <a:xfrm>
+            <a:off x="0" y="241301"/>
+            <a:ext cx="12192000" cy="741194"/>
+          </a:xfrm>
+          <a:solidFill>
+            <a:schemeClr val="bg1">
+              <a:lumMod val="95000"/>
+            </a:schemeClr>
+          </a:solidFill>
+        </p:spPr>
+        <p:txBody>
+          <a:bodyPr/>
+          <a:lstStyle/>
+          <a:p>
+            <a:pPr algn="ctr"/>
+            <a:r>
+              <a:rPr lang="en-US" b="1" dirty="0" smtClean="0"/>
+              <a:t>Conclusion</a:t>
+            </a:r>
+            <a:endParaRPr lang="en-US" b="1" dirty="0"/>
+          </a:p>
+        </p:txBody>
+      </p:sp>
+      <p:sp>
+        <p:nvSpPr>
+          <p:cNvPr id="3" name="Content Placeholder 2"/>
+          <p:cNvSpPr>
+            <a:spLocks noGrp="1"/>
+          </p:cNvSpPr>
+          <p:nvPr>
+            <p:ph idx="1"/>
+          </p:nvPr>
+        </p:nvSpPr>
+        <p:spPr>
+          <a:xfrm>
+            <a:off x="552450" y="982495"/>
+            <a:ext cx="11087100" cy="5067300"/>
+          </a:xfrm>
+        </p:spPr>
+        <p:txBody>
+          <a:bodyPr>
+            <a:normAutofit/>
+          </a:bodyPr>
+          <a:lstStyle/>
+          <a:p>
+            <a:r>
+              <a:rPr lang="en-US" dirty="0" smtClean="0"/>
+              <a:t>The proposed system strengthens somehow the security conditions considerably, and it has several multifunctional ways to lock and unlock the door at a time.</a:t>
+            </a:r>
+          </a:p>
+          <a:p>
+            <a:r>
+              <a:rPr lang="en-US" dirty="0" smtClean="0"/>
+              <a:t>Besides, it has a Magic Mirror that shows some important data about the condition of the room and others. </a:t>
+            </a:r>
+          </a:p>
+          <a:p>
+            <a:r>
+              <a:rPr lang="en-US" dirty="0" smtClean="0"/>
+              <a:t>Additionally, the user can watch the video on the Magic Mirror. </a:t>
+            </a:r>
+          </a:p>
+          <a:p>
+            <a:r>
+              <a:rPr lang="en-US" dirty="0" smtClean="0"/>
+              <a:t>Importantly, the intended and ongoing project is mainly build on Raspberry Pi using a Python programming language using Linux Operating System in order to contribute to the development of the Door Security System on the places. </a:t>
+            </a:r>
+          </a:p>
+          <a:p>
+            <a:r>
+              <a:rPr lang="en-US" dirty="0" smtClean="0"/>
+              <a:t>All existing products interact to each other and work collaboratively.</a:t>
+            </a:r>
+          </a:p>
+          <a:p>
+            <a:endParaRPr lang="en-US" dirty="0"/>
+          </a:p>
+        </p:txBody>
+      </p:sp>
+      <p:sp>
+        <p:nvSpPr>
+          <p:cNvPr id="4" name="Rectangle 3"/>
+          <p:cNvSpPr/>
+          <p:nvPr/>
+        </p:nvSpPr>
+        <p:spPr>
+          <a:xfrm>
+            <a:off x="0" y="5860025"/>
+            <a:ext cx="1492898" cy="923330"/>
+          </a:xfrm>
+          <a:prstGeom prst="rect">
+            <a:avLst/>
+          </a:prstGeom>
+          <a:noFill/>
+        </p:spPr>
+        <p:txBody>
+          <a:bodyPr wrap="square" lIns="91440" tIns="45720" rIns="91440" bIns="45720">
+            <a:spAutoFit/>
+          </a:bodyPr>
+          <a:lstStyle/>
+          <a:p>
+            <a:pPr algn="ctr"/>
+            <a:r>
+              <a:rPr lang="en-US" sz="5400" b="1" cap="none" spc="0" dirty="0" smtClean="0">
+                <a:ln w="6600">
+                  <a:solidFill>
+                    <a:schemeClr val="accent2"/>
+                  </a:solidFill>
+                  <a:prstDash val="solid"/>
+                </a:ln>
+                <a:solidFill>
+                  <a:srgbClr val="FF0000"/>
+                </a:solidFill>
+                <a:effectLst>
+                  <a:outerShdw dist="38100" dir="2700000" algn="tl" rotWithShape="0">
+                    <a:schemeClr val="accent2"/>
+                  </a:outerShdw>
+                </a:effectLst>
+              </a:rPr>
+              <a:t>DSU</a:t>
+            </a:r>
+            <a:endParaRPr lang="en-US" sz="5400" b="1" cap="none" spc="0" dirty="0">
+              <a:ln w="6600">
+                <a:solidFill>
+                  <a:schemeClr val="accent2"/>
+                </a:solidFill>
+                <a:prstDash val="solid"/>
+              </a:ln>
+              <a:solidFill>
+                <a:srgbClr val="FF0000"/>
+              </a:solidFill>
+              <a:effectLst>
+                <a:outerShdw dist="38100" dir="2700000" algn="tl" rotWithShape="0">
+                  <a:schemeClr val="accent2"/>
+                </a:outerShdw>
+              </a:effectLst>
+            </a:endParaRPr>
+          </a:p>
+        </p:txBody>
+      </p:sp>
+    </p:spTree>
+    <p:extLst>
+      <p:ext uri="{BB962C8B-B14F-4D97-AF65-F5344CB8AC3E}">
+        <p14:creationId xmlns:p14="http://schemas.microsoft.com/office/powerpoint/2010/main" xmlns="" val="1551493951"/>
+      </p:ext>
+    </p:extLst>
+  </p:cSld>
+  <p:clrMapOvr>
+    <a:masterClrMapping/>
+  </p:clrMapOvr>
+  <p:timing>
+    <p:tnLst>
+      <p:par>
+        <p:cTn id="1" dur="indefinite" restart="never" nodeType="tmRoot"/>
+      </p:par>
+    </p:tnLst>
+  </p:timing>
+</p:sld>
+</file>
+
+<file path=ppt/slides/slide12.xml><?xml version="1.0" encoding="utf-8"?>
+<p:sld xmlns:a="http://schemas.openxmlformats.org/drawingml/2006/main" xmlns:r="http://schemas.openxmlformats.org/officeDocument/2006/relationships" xmlns:p="http://schemas.openxmlformats.org/presentationml/2006/main">
+  <p:cSld>
+    <p:spTree>
+      <p:nvGrpSpPr>
+        <p:cNvPr id="1" name=""/>
+        <p:cNvGrpSpPr/>
+        <p:nvPr/>
+      </p:nvGrpSpPr>
+      <p:grpSpPr>
+        <a:xfrm>
+          <a:off x="0" y="0"/>
+          <a:ext cx="0" cy="0"/>
+          <a:chOff x="0" y="0"/>
+          <a:chExt cx="0" cy="0"/>
+        </a:xfrm>
+      </p:grpSpPr>
+      <p:sp>
+        <p:nvSpPr>
+          <p:cNvPr id="2" name="Title 1"/>
+          <p:cNvSpPr>
+            <a:spLocks noGrp="1"/>
+          </p:cNvSpPr>
+          <p:nvPr>
+            <p:ph type="title"/>
+          </p:nvPr>
+        </p:nvSpPr>
+        <p:spPr>
+          <a:xfrm>
+            <a:off x="0" y="651754"/>
+            <a:ext cx="12192000" cy="856034"/>
+          </a:xfrm>
+          <a:solidFill>
+            <a:schemeClr val="bg1">
+              <a:lumMod val="95000"/>
+            </a:schemeClr>
+          </a:solidFill>
+        </p:spPr>
+        <p:txBody>
+          <a:bodyPr/>
+          <a:lstStyle/>
+          <a:p>
+            <a:pPr algn="ctr"/>
+            <a:r>
+              <a:rPr lang="en-US" b="1" dirty="0" smtClean="0"/>
+              <a:t>Future work</a:t>
+            </a:r>
+            <a:endParaRPr lang="en-US" b="1" dirty="0"/>
+          </a:p>
+        </p:txBody>
+      </p:sp>
+      <p:sp>
+        <p:nvSpPr>
+          <p:cNvPr id="3" name="Content Placeholder 2"/>
+          <p:cNvSpPr>
+            <a:spLocks noGrp="1"/>
+          </p:cNvSpPr>
+          <p:nvPr>
+            <p:ph idx="1"/>
+          </p:nvPr>
+        </p:nvSpPr>
+        <p:spPr>
+          <a:xfrm>
+            <a:off x="838200" y="1825625"/>
+            <a:ext cx="10515600" cy="3536950"/>
+          </a:xfrm>
+        </p:spPr>
+        <p:txBody>
+          <a:bodyPr/>
+          <a:lstStyle/>
+          <a:p>
+            <a:pPr marL="0" indent="0">
+              <a:buNone/>
+            </a:pPr>
+            <a:r>
+              <a:rPr lang="en-US" dirty="0"/>
+              <a:t>In the future, more functions and new technologies can be carried out on this system and more features can be </a:t>
+            </a:r>
+            <a:r>
+              <a:rPr lang="en-US" dirty="0" smtClean="0"/>
+              <a:t>incorporated. </a:t>
+            </a:r>
+          </a:p>
+          <a:p>
+            <a:pPr marL="0" indent="0">
+              <a:buNone/>
+            </a:pPr>
+            <a:r>
+              <a:rPr lang="en-US" dirty="0" smtClean="0"/>
+              <a:t>For </a:t>
+            </a:r>
+            <a:r>
+              <a:rPr lang="en-US" dirty="0"/>
+              <a:t>instance we can implement the designed digital lock technology that can sense physical impact of unauthorized visitor and notify the host user’s mobile device. </a:t>
+            </a:r>
+            <a:endParaRPr lang="en-US" dirty="0" smtClean="0"/>
+          </a:p>
+          <a:p>
+            <a:pPr marL="0" indent="0">
+              <a:buNone/>
+            </a:pPr>
+            <a:r>
+              <a:rPr lang="en-US" dirty="0" smtClean="0"/>
+              <a:t>Besides</a:t>
+            </a:r>
+            <a:r>
+              <a:rPr lang="en-US" dirty="0"/>
+              <a:t>, we also think about to develop our system with QR coded and digitized cards which means, the users can utilize them in terms of unlocking the door.</a:t>
+            </a:r>
+          </a:p>
+          <a:p>
+            <a:endParaRPr lang="en-US" dirty="0" smtClean="0"/>
+          </a:p>
+          <a:p>
+            <a:pPr marL="0" indent="0">
+              <a:buNone/>
+            </a:pPr>
+            <a:endParaRPr lang="en-US" dirty="0"/>
+          </a:p>
+        </p:txBody>
+      </p:sp>
+      <p:sp>
+        <p:nvSpPr>
+          <p:cNvPr id="4" name="Rectangle 3"/>
+          <p:cNvSpPr/>
+          <p:nvPr/>
+        </p:nvSpPr>
+        <p:spPr>
+          <a:xfrm>
+            <a:off x="0" y="5860025"/>
+            <a:ext cx="1492898" cy="923330"/>
+          </a:xfrm>
+          <a:prstGeom prst="rect">
+            <a:avLst/>
+          </a:prstGeom>
+          <a:noFill/>
+        </p:spPr>
+        <p:txBody>
+          <a:bodyPr wrap="square" lIns="91440" tIns="45720" rIns="91440" bIns="45720">
+            <a:spAutoFit/>
+          </a:bodyPr>
+          <a:lstStyle/>
+          <a:p>
+            <a:pPr algn="ctr"/>
+            <a:r>
+              <a:rPr lang="en-US" sz="5400" b="1" cap="none" spc="0" dirty="0" smtClean="0">
+                <a:ln w="6600">
+                  <a:solidFill>
+                    <a:schemeClr val="accent2"/>
+                  </a:solidFill>
+                  <a:prstDash val="solid"/>
+                </a:ln>
+                <a:solidFill>
+                  <a:srgbClr val="FF0000"/>
+                </a:solidFill>
+                <a:effectLst>
+                  <a:outerShdw dist="38100" dir="2700000" algn="tl" rotWithShape="0">
+                    <a:schemeClr val="accent2"/>
+                  </a:outerShdw>
+                </a:effectLst>
+              </a:rPr>
+              <a:t>DSU</a:t>
+            </a:r>
+            <a:endParaRPr lang="en-US" sz="5400" b="1" cap="none" spc="0" dirty="0">
+              <a:ln w="6600">
+                <a:solidFill>
+                  <a:schemeClr val="accent2"/>
+                </a:solidFill>
+                <a:prstDash val="solid"/>
+              </a:ln>
+              <a:solidFill>
+                <a:srgbClr val="FF0000"/>
+              </a:solidFill>
+              <a:effectLst>
+                <a:outerShdw dist="38100" dir="2700000" algn="tl" rotWithShape="0">
+                  <a:schemeClr val="accent2"/>
+                </a:outerShdw>
+              </a:effectLst>
+            </a:endParaRPr>
+          </a:p>
+        </p:txBody>
+      </p:sp>
+    </p:spTree>
+    <p:extLst>
+      <p:ext uri="{BB962C8B-B14F-4D97-AF65-F5344CB8AC3E}">
+        <p14:creationId xmlns:p14="http://schemas.microsoft.com/office/powerpoint/2010/main" xmlns="" val="519668527"/>
+      </p:ext>
+    </p:extLst>
+  </p:cSld>
+  <p:clrMapOvr>
+    <a:masterClrMapping/>
+  </p:clrMapOvr>
+  <p:timing>
+    <p:tnLst>
+      <p:par>
+        <p:cTn id="1" dur="indefinite" restart="never" nodeType="tmRoot"/>
+      </p:par>
+    </p:tnLst>
+  </p:timing>
+</p:sld>
+</file>
+
+<file path=ppt/slides/slide13.xml><?xml version="1.0" encoding="utf-8"?>
 <p:sld xmlns:a="http://schemas.openxmlformats.org/drawingml/2006/main" xmlns:r="http://schemas.openxmlformats.org/officeDocument/2006/relationships" xmlns:p="http://schemas.openxmlformats.org/presentationml/2006/main">
   <p:cSld>
     <p:bg>
@@ -4087,7 +4532,7 @@
     </p:spTree>
     <p:extLst>
       <p:ext uri="{BB962C8B-B14F-4D97-AF65-F5344CB8AC3E}">
-        <p14:creationId xmlns:p14="http://schemas.microsoft.com/office/powerpoint/2010/main" val="286702115"/>
+        <p14:creationId xmlns:p14="http://schemas.microsoft.com/office/powerpoint/2010/main" xmlns="" val="286702115"/>
       </p:ext>
     </p:extLst>
   </p:cSld>
@@ -4170,7 +4615,9 @@
           </a:xfrm>
         </p:spPr>
         <p:txBody>
-          <a:bodyPr/>
+          <a:bodyPr>
+            <a:normAutofit lnSpcReduction="10000"/>
+          </a:bodyPr>
           <a:lstStyle/>
           <a:p>
             <a:r>
@@ -4187,8 +4634,19 @@
           <a:p>
             <a:r>
               <a:rPr lang="en-US" dirty="0" smtClean="0"/>
-              <a:t>Plan vs Progress Chart</a:t>
-            </a:r>
+              <a:t>Plan vs Progress </a:t>
+            </a:r>
+            <a:r>
+              <a:rPr lang="en-US" dirty="0" smtClean="0"/>
+              <a:t>Chart</a:t>
+            </a:r>
+          </a:p>
+          <a:p>
+            <a:r>
+              <a:rPr lang="en-US" dirty="0" smtClean="0"/>
+              <a:t>Used Materials</a:t>
+            </a:r>
+            <a:endParaRPr lang="en-US" dirty="0" smtClean="0"/>
           </a:p>
           <a:p>
             <a:r>
@@ -4275,7 +4733,7 @@
     </p:spTree>
     <p:extLst>
       <p:ext uri="{BB962C8B-B14F-4D97-AF65-F5344CB8AC3E}">
-        <p14:creationId xmlns:p14="http://schemas.microsoft.com/office/powerpoint/2010/main" val="3114948158"/>
+        <p14:creationId xmlns:p14="http://schemas.microsoft.com/office/powerpoint/2010/main" xmlns="" val="3114948158"/>
       </p:ext>
     </p:extLst>
   </p:cSld>
@@ -4498,7 +4956,7 @@
     </p:spTree>
     <p:extLst>
       <p:ext uri="{BB962C8B-B14F-4D97-AF65-F5344CB8AC3E}">
-        <p14:creationId xmlns:p14="http://schemas.microsoft.com/office/powerpoint/2010/main" val="1336701645"/>
+        <p14:creationId xmlns:p14="http://schemas.microsoft.com/office/powerpoint/2010/main" xmlns="" val="1336701645"/>
       </p:ext>
     </p:extLst>
   </p:cSld>
@@ -4541,10 +4999,10 @@
           <p:nvPr/>
         </p:nvPicPr>
         <p:blipFill rotWithShape="1">
-          <a:blip r:embed="rId2">
+          <a:blip r:embed="rId2" cstate="print">
             <a:extLst>
               <a:ext uri="{28A0092B-C50C-407E-A947-70E740481C1C}">
-                <a14:useLocalDpi xmlns:a14="http://schemas.microsoft.com/office/drawing/2010/main" val="0"/>
+                <a14:useLocalDpi xmlns:a14="http://schemas.microsoft.com/office/drawing/2010/main" xmlns="" val="0"/>
               </a:ext>
             </a:extLst>
           </a:blip>
@@ -4562,7 +5020,7 @@
           <a:noFill/>
           <a:extLst>
             <a:ext uri="{909E8E84-426E-40DD-AFC4-6F175D3DCCD1}">
-              <a14:hiddenFill xmlns:a14="http://schemas.microsoft.com/office/drawing/2010/main">
+              <a14:hiddenFill xmlns:a14="http://schemas.microsoft.com/office/drawing/2010/main" xmlns="">
                 <a:solidFill>
                   <a:srgbClr val="FFFFFF"/>
                 </a:solidFill>
@@ -4580,10 +5038,10 @@
           <p:nvPr/>
         </p:nvPicPr>
         <p:blipFill rotWithShape="1">
-          <a:blip r:embed="rId3">
+          <a:blip r:embed="rId3" cstate="print">
             <a:extLst>
               <a:ext uri="{28A0092B-C50C-407E-A947-70E740481C1C}">
-                <a14:useLocalDpi xmlns:a14="http://schemas.microsoft.com/office/drawing/2010/main" val="0"/>
+                <a14:useLocalDpi xmlns:a14="http://schemas.microsoft.com/office/drawing/2010/main" xmlns="" val="0"/>
               </a:ext>
             </a:extLst>
           </a:blip>
@@ -4601,7 +5059,7 @@
           <a:noFill/>
           <a:extLst>
             <a:ext uri="{909E8E84-426E-40DD-AFC4-6F175D3DCCD1}">
-              <a14:hiddenFill xmlns:a14="http://schemas.microsoft.com/office/drawing/2010/main">
+              <a14:hiddenFill xmlns:a14="http://schemas.microsoft.com/office/drawing/2010/main" xmlns="">
                 <a:solidFill>
                   <a:srgbClr val="FFFFFF"/>
                 </a:solidFill>
@@ -4768,7 +5226,7 @@
     </p:spTree>
     <p:extLst>
       <p:ext uri="{BB962C8B-B14F-4D97-AF65-F5344CB8AC3E}">
-        <p14:creationId xmlns:p14="http://schemas.microsoft.com/office/powerpoint/2010/main" val="1798466036"/>
+        <p14:creationId xmlns:p14="http://schemas.microsoft.com/office/powerpoint/2010/main" xmlns="" val="1798466036"/>
       </p:ext>
     </p:extLst>
   </p:cSld>
@@ -4877,7 +5335,7 @@
           <p:nvPr/>
         </p:nvPicPr>
         <p:blipFill rotWithShape="1">
-          <a:blip r:embed="rId2"/>
+          <a:blip r:embed="rId2" cstate="print"/>
           <a:srcRect l="28351" t="28068" r="11594" b="26522"/>
           <a:stretch/>
         </p:blipFill>
@@ -4967,7 +5425,7 @@
     </p:spTree>
     <p:extLst>
       <p:ext uri="{BB962C8B-B14F-4D97-AF65-F5344CB8AC3E}">
-        <p14:creationId xmlns:p14="http://schemas.microsoft.com/office/powerpoint/2010/main" val="1313039038"/>
+        <p14:creationId xmlns:p14="http://schemas.microsoft.com/office/powerpoint/2010/main" xmlns="" val="1313039038"/>
       </p:ext>
     </p:extLst>
   </p:cSld>
@@ -5029,11 +5487,7 @@
             <a:pPr algn="ctr"/>
             <a:r>
               <a:rPr lang="en-US" b="1" dirty="0" smtClean="0"/>
-              <a:t>Progress </a:t>
-            </a:r>
-            <a:r>
-              <a:rPr lang="en-US" b="1" dirty="0" smtClean="0"/>
-              <a:t>Table (Till the Mid-Term)</a:t>
+              <a:t>Progress Table (Till the Mid-Term)</a:t>
             </a:r>
             <a:endParaRPr lang="en-US" b="1" dirty="0"/>
           </a:p>
@@ -5050,10 +5504,10 @@
           </p:nvPr>
         </p:nvPicPr>
         <p:blipFill rotWithShape="1">
-          <a:blip r:embed="rId2">
+          <a:blip r:embed="rId2" cstate="print">
             <a:extLst>
               <a:ext uri="{28A0092B-C50C-407E-A947-70E740481C1C}">
-                <a14:useLocalDpi xmlns:a14="http://schemas.microsoft.com/office/drawing/2010/main" val="0"/>
+                <a14:useLocalDpi xmlns:a14="http://schemas.microsoft.com/office/drawing/2010/main" xmlns="" val="0"/>
               </a:ext>
             </a:extLst>
           </a:blip>
@@ -5131,7 +5585,7 @@
     </p:spTree>
     <p:extLst>
       <p:ext uri="{BB962C8B-B14F-4D97-AF65-F5344CB8AC3E}">
-        <p14:creationId xmlns:p14="http://schemas.microsoft.com/office/powerpoint/2010/main" val="752372889"/>
+        <p14:creationId xmlns:p14="http://schemas.microsoft.com/office/powerpoint/2010/main" xmlns="" val="752372889"/>
       </p:ext>
     </p:extLst>
   </p:cSld>
@@ -5193,11 +5647,7 @@
             <a:pPr algn="ctr"/>
             <a:r>
               <a:rPr lang="en-US" b="1" dirty="0" smtClean="0"/>
-              <a:t>Progress </a:t>
-            </a:r>
-            <a:r>
-              <a:rPr lang="en-US" b="1" dirty="0" smtClean="0"/>
-              <a:t>Table (After the Mid-Term)</a:t>
+              <a:t>Progress Table (After the Mid-Term)</a:t>
             </a:r>
             <a:endParaRPr lang="en-US" b="1" dirty="0"/>
           </a:p>
@@ -5275,10 +5725,10 @@
           </p:nvPr>
         </p:nvPicPr>
         <p:blipFill>
-          <a:blip r:embed="rId2">
+          <a:blip r:embed="rId2" cstate="print">
             <a:extLst>
               <a:ext uri="{28A0092B-C50C-407E-A947-70E740481C1C}">
-                <a14:useLocalDpi xmlns:a14="http://schemas.microsoft.com/office/drawing/2010/main" val="0"/>
+                <a14:useLocalDpi xmlns:a14="http://schemas.microsoft.com/office/drawing/2010/main" xmlns="" val="0"/>
               </a:ext>
             </a:extLst>
           </a:blip>
@@ -5296,7 +5746,7 @@
     </p:spTree>
     <p:extLst>
       <p:ext uri="{BB962C8B-B14F-4D97-AF65-F5344CB8AC3E}">
-        <p14:creationId xmlns:p14="http://schemas.microsoft.com/office/powerpoint/2010/main" val="986121837"/>
+        <p14:creationId xmlns:p14="http://schemas.microsoft.com/office/powerpoint/2010/main" xmlns="" val="986121837"/>
       </p:ext>
     </p:extLst>
   </p:cSld>
@@ -5332,7 +5782,7 @@
       </p:grpSpPr>
       <p:sp>
         <p:nvSpPr>
-          <p:cNvPr id="2" name="Title 1"/>
+          <p:cNvPr id="2" name="Заголовок 1"/>
           <p:cNvSpPr>
             <a:spLocks noGrp="1"/>
           </p:cNvSpPr>
@@ -5342,203 +5792,717 @@
         </p:nvSpPr>
         <p:spPr>
           <a:xfrm>
-            <a:off x="0" y="365125"/>
-            <a:ext cx="12192000" cy="773011"/>
+            <a:off x="838200" y="365125"/>
+            <a:ext cx="10515600" cy="670045"/>
           </a:xfrm>
-          <a:solidFill>
-            <a:schemeClr val="bg1">
-              <a:lumMod val="95000"/>
-            </a:schemeClr>
-          </a:solidFill>
         </p:spPr>
         <p:txBody>
-          <a:bodyPr/>
-          <a:lstStyle/>
-          <a:p>
-            <a:pPr algn="ctr"/>
-            <a:r>
-              <a:rPr lang="en-US" b="1" dirty="0" smtClean="0"/>
-              <a:t>Summary of the Project</a:t>
-            </a:r>
-            <a:endParaRPr lang="en-US" b="1" dirty="0"/>
-          </a:p>
-        </p:txBody>
-      </p:sp>
-      <p:sp>
-        <p:nvSpPr>
-          <p:cNvPr id="3" name="Content Placeholder 2"/>
-          <p:cNvSpPr>
-            <a:spLocks noGrp="1"/>
-          </p:cNvSpPr>
-          <p:nvPr>
-            <p:ph idx="1"/>
-          </p:nvPr>
+          <a:bodyPr>
+            <a:normAutofit fontScale="90000"/>
+          </a:bodyPr>
+          <a:lstStyle/>
+          <a:p>
+            <a:r>
+              <a:rPr lang="en-US" dirty="0" smtClean="0"/>
+              <a:t>Used Tools</a:t>
+            </a:r>
+            <a:endParaRPr lang="en-US" dirty="0"/>
+          </a:p>
+        </p:txBody>
+      </p:sp>
+      <p:sp>
+        <p:nvSpPr>
+          <p:cNvPr id="4" name="Content Placeholder 2"/>
+          <p:cNvSpPr txBox="1">
+            <a:spLocks/>
+          </p:cNvSpPr>
+          <p:nvPr/>
         </p:nvSpPr>
         <p:spPr>
           <a:xfrm>
-            <a:off x="638175" y="1549400"/>
-            <a:ext cx="11112838" cy="4351338"/>
-          </a:xfrm>
-        </p:spPr>
-        <p:txBody>
-          <a:bodyPr>
-            <a:normAutofit/>
-          </a:bodyPr>
-          <a:lstStyle/>
-          <a:p>
-            <a:pPr marL="0" indent="0">
-              <a:buNone/>
-            </a:pPr>
-            <a:r>
-              <a:rPr lang="en-US" dirty="0" smtClean="0"/>
-              <a:t>We have achieved the security system that works with</a:t>
-            </a:r>
-          </a:p>
-          <a:p>
-            <a:pPr marL="0" indent="0">
-              <a:buNone/>
-            </a:pPr>
-            <a:r>
-              <a:rPr lang="en-US" dirty="0" smtClean="0"/>
-              <a:t>Raspberry Pi. This system gives us the product </a:t>
-            </a:r>
-            <a:r>
-              <a:rPr lang="en-US" dirty="0" err="1" smtClean="0"/>
-              <a:t>Penta</a:t>
-            </a:r>
-            <a:r>
-              <a:rPr lang="en-US" dirty="0" smtClean="0"/>
-              <a:t> that</a:t>
-            </a:r>
-          </a:p>
-          <a:p>
-            <a:pPr marL="0" indent="0">
-              <a:buNone/>
-            </a:pPr>
-            <a:r>
-              <a:rPr lang="en-US" dirty="0" smtClean="0"/>
-              <a:t>holds a few technologies such as: (The Part of Capstone Design Class)</a:t>
-            </a:r>
-          </a:p>
-          <a:p>
-            <a:pPr>
-              <a:buFont typeface="Wingdings" panose="05000000000000000000" pitchFamily="2" charset="2"/>
-              <a:buChar char="§"/>
-            </a:pPr>
-            <a:r>
-              <a:rPr lang="en-US" dirty="0" smtClean="0"/>
-              <a:t>Face recognition;                                       </a:t>
-            </a:r>
-          </a:p>
-          <a:p>
-            <a:pPr>
-              <a:buFont typeface="Wingdings" panose="05000000000000000000" pitchFamily="2" charset="2"/>
-              <a:buChar char="§"/>
-            </a:pPr>
-            <a:r>
-              <a:rPr lang="en-US" dirty="0" smtClean="0"/>
-              <a:t>Fingerprint System;</a:t>
-            </a:r>
-          </a:p>
-          <a:p>
-            <a:pPr>
-              <a:buFont typeface="Wingdings" panose="05000000000000000000" pitchFamily="2" charset="2"/>
-              <a:buChar char="§"/>
-            </a:pPr>
-            <a:r>
-              <a:rPr lang="en-US" dirty="0" smtClean="0"/>
-              <a:t>Magic Mirror.</a:t>
-            </a:r>
-          </a:p>
-          <a:p>
-            <a:pPr marL="0" indent="0">
-              <a:buNone/>
-            </a:pPr>
-            <a:r>
-              <a:rPr lang="en-US" dirty="0" smtClean="0"/>
-              <a:t>They all work interactively with each other. We have achieved to run main parts of the coding process in Python programming language using the Linux Operating System. </a:t>
-            </a:r>
-          </a:p>
-        </p:txBody>
-      </p:sp>
-      <p:sp>
-        <p:nvSpPr>
-          <p:cNvPr id="4" name="Rectangle 3"/>
-          <p:cNvSpPr/>
-          <p:nvPr/>
-        </p:nvSpPr>
-        <p:spPr>
-          <a:xfrm>
-            <a:off x="0" y="5860025"/>
-            <a:ext cx="1492898" cy="923330"/>
+            <a:off x="315310" y="1403131"/>
+            <a:ext cx="5202621" cy="4773832"/>
           </a:xfrm>
           <a:prstGeom prst="rect">
             <a:avLst/>
           </a:prstGeom>
-          <a:noFill/>
         </p:spPr>
         <p:txBody>
-          <a:bodyPr wrap="square" lIns="91440" tIns="45720" rIns="91440" bIns="45720">
-            <a:spAutoFit/>
+          <a:bodyPr vert="horz" lIns="91440" tIns="45720" rIns="91440" bIns="45720" rtlCol="0">
+            <a:normAutofit lnSpcReduction="10000"/>
           </a:bodyPr>
           <a:lstStyle/>
           <a:p>
-            <a:pPr algn="ctr"/>
-            <a:r>
-              <a:rPr lang="en-US" sz="5400" b="1" cap="none" spc="0" dirty="0" smtClean="0">
-                <a:ln w="6600">
-                  <a:solidFill>
-                    <a:schemeClr val="accent2"/>
-                  </a:solidFill>
-                  <a:prstDash val="solid"/>
+            <a:pPr marL="0" marR="0" lvl="0" indent="0" algn="l" defTabSz="914400" rtl="0" eaLnBrk="1" fontAlgn="auto" latinLnBrk="0" hangingPunct="1">
+              <a:lnSpc>
+                <a:spcPct val="90000"/>
+              </a:lnSpc>
+              <a:spcBef>
+                <a:spcPts val="1000"/>
+              </a:spcBef>
+              <a:spcAft>
+                <a:spcPts val="0"/>
+              </a:spcAft>
+              <a:buClrTx/>
+              <a:buSzTx/>
+              <a:buFont typeface="Arial" panose="020B0604020202020204" pitchFamily="34" charset="0"/>
+              <a:buNone/>
+              <a:tabLst/>
+              <a:defRPr/>
+            </a:pPr>
+            <a:r>
+              <a:rPr kumimoji="0" lang="en-US" sz="2800" b="1" i="0" u="sng" strike="noStrike" kern="1200" cap="none" spc="0" normalizeH="0" baseline="0" noProof="0" smtClean="0">
+                <a:ln>
+                  <a:noFill/>
                 </a:ln>
                 <a:solidFill>
-                  <a:srgbClr val="FF0000"/>
+                  <a:schemeClr val="tx1"/>
                 </a:solidFill>
-                <a:effectLst>
-                  <a:outerShdw dist="38100" dir="2700000" algn="tl" rotWithShape="0">
-                    <a:schemeClr val="accent2"/>
-                  </a:outerShdw>
-                </a:effectLst>
+                <a:effectLst/>
+                <a:uLnTx/>
+                <a:uFillTx/>
+                <a:latin typeface="+mn-lt"/>
+                <a:ea typeface="+mn-ea"/>
+                <a:cs typeface="+mn-cs"/>
               </a:rPr>
-              <a:t>DSU</a:t>
-            </a:r>
-            <a:endParaRPr lang="en-US" sz="5400" b="1" cap="none" spc="0" dirty="0">
-              <a:ln w="6600">
+              <a:t>End requirements for the project:</a:t>
+            </a:r>
+          </a:p>
+          <a:p>
+            <a:pPr marL="0" marR="0" lvl="0" indent="0" algn="l" defTabSz="914400" rtl="0" eaLnBrk="1" fontAlgn="auto" latinLnBrk="0" hangingPunct="1">
+              <a:lnSpc>
+                <a:spcPct val="90000"/>
+              </a:lnSpc>
+              <a:spcBef>
+                <a:spcPts val="1000"/>
+              </a:spcBef>
+              <a:spcAft>
+                <a:spcPts val="0"/>
+              </a:spcAft>
+              <a:buClrTx/>
+              <a:buSzTx/>
+              <a:buFont typeface="Arial" panose="020B0604020202020204" pitchFamily="34" charset="0"/>
+              <a:buNone/>
+              <a:tabLst/>
+              <a:defRPr/>
+            </a:pPr>
+            <a:r>
+              <a:rPr kumimoji="0" lang="en-US" sz="2800" b="0" i="0" u="none" strike="noStrike" kern="1200" cap="none" spc="0" normalizeH="0" baseline="0" noProof="0" smtClean="0">
+                <a:ln>
+                  <a:noFill/>
+                </a:ln>
                 <a:solidFill>
-                  <a:schemeClr val="accent2"/>
+                  <a:schemeClr val="tx1"/>
                 </a:solidFill>
-                <a:prstDash val="solid"/>
+                <a:effectLst/>
+                <a:uLnTx/>
+                <a:uFillTx/>
+                <a:latin typeface="+mn-lt"/>
+                <a:ea typeface="+mn-ea"/>
+                <a:cs typeface="+mn-cs"/>
+              </a:rPr>
+              <a:t>Raspberry Pi 3 model B;</a:t>
+            </a:r>
+          </a:p>
+          <a:p>
+            <a:pPr marL="0" marR="0" lvl="0" indent="0" algn="l" defTabSz="914400" rtl="0" eaLnBrk="1" fontAlgn="auto" latinLnBrk="0" hangingPunct="1">
+              <a:lnSpc>
+                <a:spcPct val="90000"/>
+              </a:lnSpc>
+              <a:spcBef>
+                <a:spcPts val="1000"/>
+              </a:spcBef>
+              <a:spcAft>
+                <a:spcPts val="0"/>
+              </a:spcAft>
+              <a:buClrTx/>
+              <a:buSzTx/>
+              <a:buFont typeface="Arial" panose="020B0604020202020204" pitchFamily="34" charset="0"/>
+              <a:buNone/>
+              <a:tabLst/>
+              <a:defRPr/>
+            </a:pPr>
+            <a:r>
+              <a:rPr kumimoji="0" lang="en-US" sz="2800" b="0" i="0" u="none" strike="noStrike" kern="1200" cap="none" spc="0" normalizeH="0" baseline="0" noProof="0" smtClean="0">
+                <a:ln>
+                  <a:noFill/>
+                </a:ln>
+                <a:solidFill>
+                  <a:schemeClr val="tx1"/>
+                </a:solidFill>
+                <a:effectLst/>
+                <a:uLnTx/>
+                <a:uFillTx/>
+                <a:latin typeface="+mn-lt"/>
+                <a:ea typeface="+mn-ea"/>
+                <a:cs typeface="+mn-cs"/>
+              </a:rPr>
+              <a:t>Registers;</a:t>
+            </a:r>
+          </a:p>
+          <a:p>
+            <a:pPr marL="0" marR="0" lvl="0" indent="0" algn="l" defTabSz="914400" rtl="0" eaLnBrk="1" fontAlgn="auto" latinLnBrk="0" hangingPunct="1">
+              <a:lnSpc>
+                <a:spcPct val="90000"/>
+              </a:lnSpc>
+              <a:spcBef>
+                <a:spcPts val="1000"/>
+              </a:spcBef>
+              <a:spcAft>
+                <a:spcPts val="0"/>
+              </a:spcAft>
+              <a:buClrTx/>
+              <a:buSzTx/>
+              <a:buFont typeface="Arial" panose="020B0604020202020204" pitchFamily="34" charset="0"/>
+              <a:buNone/>
+              <a:tabLst/>
+              <a:defRPr/>
+            </a:pPr>
+            <a:r>
+              <a:rPr kumimoji="0" lang="en-US" sz="2800" b="0" i="0" u="none" strike="noStrike" kern="1200" cap="none" spc="0" normalizeH="0" baseline="0" noProof="0" smtClean="0">
+                <a:ln>
+                  <a:noFill/>
+                </a:ln>
+                <a:solidFill>
+                  <a:schemeClr val="tx1"/>
+                </a:solidFill>
+                <a:effectLst/>
+                <a:uLnTx/>
+                <a:uFillTx/>
+                <a:latin typeface="+mn-lt"/>
+                <a:ea typeface="+mn-ea"/>
+                <a:cs typeface="+mn-cs"/>
+              </a:rPr>
+              <a:t>Cables;</a:t>
+            </a:r>
+          </a:p>
+          <a:p>
+            <a:pPr marL="0" marR="0" lvl="0" indent="0" algn="l" defTabSz="914400" rtl="0" eaLnBrk="1" fontAlgn="auto" latinLnBrk="0" hangingPunct="1">
+              <a:lnSpc>
+                <a:spcPct val="90000"/>
+              </a:lnSpc>
+              <a:spcBef>
+                <a:spcPts val="1000"/>
+              </a:spcBef>
+              <a:spcAft>
+                <a:spcPts val="0"/>
+              </a:spcAft>
+              <a:buClrTx/>
+              <a:buSzTx/>
+              <a:buFont typeface="Arial" panose="020B0604020202020204" pitchFamily="34" charset="0"/>
+              <a:buNone/>
+              <a:tabLst/>
+              <a:defRPr/>
+            </a:pPr>
+            <a:r>
+              <a:rPr kumimoji="0" lang="en-US" sz="2800" b="0" i="0" u="none" strike="noStrike" kern="1200" cap="none" spc="0" normalizeH="0" baseline="0" noProof="0" smtClean="0">
+                <a:ln>
+                  <a:noFill/>
+                </a:ln>
+                <a:solidFill>
+                  <a:schemeClr val="tx1"/>
+                </a:solidFill>
+                <a:effectLst/>
+                <a:uLnTx/>
+                <a:uFillTx/>
+                <a:latin typeface="+mn-lt"/>
+                <a:ea typeface="+mn-ea"/>
+                <a:cs typeface="+mn-cs"/>
+              </a:rPr>
+              <a:t>Motherboard;</a:t>
+            </a:r>
+          </a:p>
+          <a:p>
+            <a:pPr marL="0" marR="0" lvl="0" indent="0" algn="l" defTabSz="914400" rtl="0" eaLnBrk="1" fontAlgn="auto" latinLnBrk="0" hangingPunct="1">
+              <a:lnSpc>
+                <a:spcPct val="90000"/>
+              </a:lnSpc>
+              <a:spcBef>
+                <a:spcPts val="1000"/>
+              </a:spcBef>
+              <a:spcAft>
+                <a:spcPts val="0"/>
+              </a:spcAft>
+              <a:buClrTx/>
+              <a:buSzTx/>
+              <a:buFont typeface="Arial" panose="020B0604020202020204" pitchFamily="34" charset="0"/>
+              <a:buNone/>
+              <a:tabLst/>
+              <a:defRPr/>
+            </a:pPr>
+            <a:r>
+              <a:rPr kumimoji="0" lang="en-US" sz="2800" b="0" i="0" u="none" strike="noStrike" kern="1200" cap="none" spc="0" normalizeH="0" baseline="0" noProof="0" smtClean="0">
+                <a:ln>
+                  <a:noFill/>
+                </a:ln>
+                <a:solidFill>
+                  <a:schemeClr val="tx1"/>
+                </a:solidFill>
+                <a:effectLst/>
+                <a:uLnTx/>
+                <a:uFillTx/>
+                <a:latin typeface="+mn-lt"/>
+                <a:ea typeface="+mn-ea"/>
+                <a:cs typeface="+mn-cs"/>
+              </a:rPr>
+              <a:t>Arduino LCD Screen;</a:t>
+            </a:r>
+          </a:p>
+          <a:p>
+            <a:pPr marL="0" marR="0" lvl="0" indent="0" algn="l" defTabSz="914400" rtl="0" eaLnBrk="1" fontAlgn="auto" latinLnBrk="0" hangingPunct="1">
+              <a:lnSpc>
+                <a:spcPct val="90000"/>
+              </a:lnSpc>
+              <a:spcBef>
+                <a:spcPts val="1000"/>
+              </a:spcBef>
+              <a:spcAft>
+                <a:spcPts val="0"/>
+              </a:spcAft>
+              <a:buClrTx/>
+              <a:buSzTx/>
+              <a:buFont typeface="Arial" panose="020B0604020202020204" pitchFamily="34" charset="0"/>
+              <a:buNone/>
+              <a:tabLst/>
+              <a:defRPr/>
+            </a:pPr>
+            <a:r>
+              <a:rPr kumimoji="0" lang="en-US" sz="2800" b="0" i="0" u="none" strike="noStrike" kern="1200" cap="none" spc="0" normalizeH="0" baseline="0" noProof="0" smtClean="0">
+                <a:ln>
+                  <a:noFill/>
+                </a:ln>
+                <a:solidFill>
+                  <a:schemeClr val="tx1"/>
+                </a:solidFill>
+                <a:effectLst/>
+                <a:uLnTx/>
+                <a:uFillTx/>
+                <a:latin typeface="+mn-lt"/>
+                <a:ea typeface="+mn-ea"/>
+                <a:cs typeface="+mn-cs"/>
+              </a:rPr>
+              <a:t>Keypad </a:t>
+            </a:r>
+          </a:p>
+          <a:p>
+            <a:pPr marL="0" marR="0" lvl="0" indent="0" algn="l" defTabSz="914400" rtl="0" eaLnBrk="1" fontAlgn="auto" latinLnBrk="0" hangingPunct="1">
+              <a:lnSpc>
+                <a:spcPct val="90000"/>
+              </a:lnSpc>
+              <a:spcBef>
+                <a:spcPts val="1000"/>
+              </a:spcBef>
+              <a:spcAft>
+                <a:spcPts val="0"/>
+              </a:spcAft>
+              <a:buClrTx/>
+              <a:buSzTx/>
+              <a:buFont typeface="Arial" panose="020B0604020202020204" pitchFamily="34" charset="0"/>
+              <a:buNone/>
+              <a:tabLst/>
+              <a:defRPr/>
+            </a:pPr>
+            <a:r>
+              <a:rPr kumimoji="0" lang="en-US" sz="2800" b="0" i="0" u="none" strike="noStrike" kern="1200" cap="none" spc="0" normalizeH="0" baseline="0" noProof="0" smtClean="0">
+                <a:ln>
+                  <a:noFill/>
+                </a:ln>
+                <a:solidFill>
+                  <a:schemeClr val="tx1"/>
+                </a:solidFill>
+                <a:effectLst/>
+                <a:uLnTx/>
+                <a:uFillTx/>
+                <a:latin typeface="+mn-lt"/>
+                <a:ea typeface="+mn-ea"/>
+                <a:cs typeface="+mn-cs"/>
+              </a:rPr>
+              <a:t>Mobile phone;</a:t>
+            </a:r>
+          </a:p>
+          <a:p>
+            <a:pPr marL="0" marR="0" lvl="0" indent="0" algn="l" defTabSz="914400" rtl="0" eaLnBrk="1" fontAlgn="auto" latinLnBrk="0" hangingPunct="1">
+              <a:lnSpc>
+                <a:spcPct val="90000"/>
+              </a:lnSpc>
+              <a:spcBef>
+                <a:spcPts val="1000"/>
+              </a:spcBef>
+              <a:spcAft>
+                <a:spcPts val="0"/>
+              </a:spcAft>
+              <a:buClrTx/>
+              <a:buSzTx/>
+              <a:buFont typeface="Arial" panose="020B0604020202020204" pitchFamily="34" charset="0"/>
+              <a:buNone/>
+              <a:tabLst/>
+              <a:defRPr/>
+            </a:pPr>
+            <a:r>
+              <a:rPr kumimoji="0" lang="en-US" sz="2800" b="0" i="0" u="none" strike="noStrike" kern="1200" cap="none" spc="0" normalizeH="0" baseline="0" noProof="0" smtClean="0">
+                <a:ln>
+                  <a:noFill/>
+                </a:ln>
+                <a:solidFill>
+                  <a:schemeClr val="tx1"/>
+                </a:solidFill>
+                <a:effectLst/>
+                <a:uLnTx/>
+                <a:uFillTx/>
+                <a:latin typeface="+mn-lt"/>
+                <a:ea typeface="+mn-ea"/>
+                <a:cs typeface="+mn-cs"/>
+              </a:rPr>
+              <a:t>Raspberry Pi Camera for the Streaming Camera</a:t>
+            </a:r>
+          </a:p>
+          <a:p>
+            <a:pPr marL="0" marR="0" lvl="0" indent="0" algn="l" defTabSz="914400" rtl="0" eaLnBrk="1" fontAlgn="auto" latinLnBrk="0" hangingPunct="1">
+              <a:lnSpc>
+                <a:spcPct val="90000"/>
+              </a:lnSpc>
+              <a:spcBef>
+                <a:spcPts val="1000"/>
+              </a:spcBef>
+              <a:spcAft>
+                <a:spcPts val="0"/>
+              </a:spcAft>
+              <a:buClrTx/>
+              <a:buSzTx/>
+              <a:buFont typeface="Arial" panose="020B0604020202020204" pitchFamily="34" charset="0"/>
+              <a:buNone/>
+              <a:tabLst/>
+              <a:defRPr/>
+            </a:pPr>
+            <a:endParaRPr kumimoji="0" lang="en-US" sz="2800" b="0" i="0" u="none" strike="noStrike" kern="1200" cap="none" spc="0" normalizeH="0" baseline="0" noProof="0" dirty="0">
+              <a:ln>
+                <a:noFill/>
               </a:ln>
               <a:solidFill>
-                <a:srgbClr val="FF0000"/>
+                <a:schemeClr val="tx1"/>
               </a:solidFill>
-              <a:effectLst>
-                <a:outerShdw dist="38100" dir="2700000" algn="tl" rotWithShape="0">
-                  <a:schemeClr val="accent2"/>
-                </a:outerShdw>
-              </a:effectLst>
+              <a:effectLst/>
+              <a:uLnTx/>
+              <a:uFillTx/>
+              <a:latin typeface="+mn-lt"/>
+              <a:ea typeface="+mn-ea"/>
+              <a:cs typeface="+mn-cs"/>
             </a:endParaRPr>
           </a:p>
         </p:txBody>
       </p:sp>
+      <p:sp>
+        <p:nvSpPr>
+          <p:cNvPr id="5" name="Content Placeholder 2"/>
+          <p:cNvSpPr txBox="1">
+            <a:spLocks/>
+          </p:cNvSpPr>
+          <p:nvPr/>
+        </p:nvSpPr>
+        <p:spPr>
+          <a:xfrm>
+            <a:off x="6353503" y="1403131"/>
+            <a:ext cx="5202621" cy="4773832"/>
+          </a:xfrm>
+          <a:prstGeom prst="rect">
+            <a:avLst/>
+          </a:prstGeom>
+        </p:spPr>
+        <p:txBody>
+          <a:bodyPr vert="horz" lIns="91440" tIns="45720" rIns="91440" bIns="45720" rtlCol="0">
+            <a:normAutofit lnSpcReduction="10000"/>
+          </a:bodyPr>
+          <a:lstStyle>
+            <a:lvl1pPr marL="228600" indent="-228600" algn="l" defTabSz="914400" rtl="0" eaLnBrk="1" latinLnBrk="0" hangingPunct="1">
+              <a:lnSpc>
+                <a:spcPct val="90000"/>
+              </a:lnSpc>
+              <a:spcBef>
+                <a:spcPts val="1000"/>
+              </a:spcBef>
+              <a:buFont typeface="Arial" panose="020B0604020202020204" pitchFamily="34" charset="0"/>
+              <a:buChar char="•"/>
+              <a:defRPr sz="2800" kern="1200">
+                <a:solidFill>
+                  <a:schemeClr val="tx1"/>
+                </a:solidFill>
+                <a:latin typeface="+mn-lt"/>
+                <a:ea typeface="+mn-ea"/>
+                <a:cs typeface="+mn-cs"/>
+              </a:defRPr>
+            </a:lvl1pPr>
+            <a:lvl2pPr marL="685800" indent="-228600" algn="l" defTabSz="914400" rtl="0" eaLnBrk="1" latinLnBrk="0" hangingPunct="1">
+              <a:lnSpc>
+                <a:spcPct val="90000"/>
+              </a:lnSpc>
+              <a:spcBef>
+                <a:spcPts val="500"/>
+              </a:spcBef>
+              <a:buFont typeface="Arial" panose="020B0604020202020204" pitchFamily="34" charset="0"/>
+              <a:buChar char="•"/>
+              <a:defRPr sz="2400" kern="1200">
+                <a:solidFill>
+                  <a:schemeClr val="tx1"/>
+                </a:solidFill>
+                <a:latin typeface="+mn-lt"/>
+                <a:ea typeface="+mn-ea"/>
+                <a:cs typeface="+mn-cs"/>
+              </a:defRPr>
+            </a:lvl2pPr>
+            <a:lvl3pPr marL="1143000" indent="-228600" algn="l" defTabSz="914400" rtl="0" eaLnBrk="1" latinLnBrk="0" hangingPunct="1">
+              <a:lnSpc>
+                <a:spcPct val="90000"/>
+              </a:lnSpc>
+              <a:spcBef>
+                <a:spcPts val="500"/>
+              </a:spcBef>
+              <a:buFont typeface="Arial" panose="020B0604020202020204" pitchFamily="34" charset="0"/>
+              <a:buChar char="•"/>
+              <a:defRPr sz="2000" kern="1200">
+                <a:solidFill>
+                  <a:schemeClr val="tx1"/>
+                </a:solidFill>
+                <a:latin typeface="+mn-lt"/>
+                <a:ea typeface="+mn-ea"/>
+                <a:cs typeface="+mn-cs"/>
+              </a:defRPr>
+            </a:lvl3pPr>
+            <a:lvl4pPr marL="1600200" indent="-228600" algn="l" defTabSz="914400" rtl="0" eaLnBrk="1" latinLnBrk="0" hangingPunct="1">
+              <a:lnSpc>
+                <a:spcPct val="90000"/>
+              </a:lnSpc>
+              <a:spcBef>
+                <a:spcPts val="500"/>
+              </a:spcBef>
+              <a:buFont typeface="Arial" panose="020B0604020202020204" pitchFamily="34" charset="0"/>
+              <a:buChar char="•"/>
+              <a:defRPr sz="1800" kern="1200">
+                <a:solidFill>
+                  <a:schemeClr val="tx1"/>
+                </a:solidFill>
+                <a:latin typeface="+mn-lt"/>
+                <a:ea typeface="+mn-ea"/>
+                <a:cs typeface="+mn-cs"/>
+              </a:defRPr>
+            </a:lvl4pPr>
+            <a:lvl5pPr marL="2057400" indent="-228600" algn="l" defTabSz="914400" rtl="0" eaLnBrk="1" latinLnBrk="0" hangingPunct="1">
+              <a:lnSpc>
+                <a:spcPct val="90000"/>
+              </a:lnSpc>
+              <a:spcBef>
+                <a:spcPts val="500"/>
+              </a:spcBef>
+              <a:buFont typeface="Arial" panose="020B0604020202020204" pitchFamily="34" charset="0"/>
+              <a:buChar char="•"/>
+              <a:defRPr sz="1800" kern="1200">
+                <a:solidFill>
+                  <a:schemeClr val="tx1"/>
+                </a:solidFill>
+                <a:latin typeface="+mn-lt"/>
+                <a:ea typeface="+mn-ea"/>
+                <a:cs typeface="+mn-cs"/>
+              </a:defRPr>
+            </a:lvl5pPr>
+            <a:lvl6pPr marL="2514600" indent="-228600" algn="l" defTabSz="914400" rtl="0" eaLnBrk="1" latinLnBrk="0" hangingPunct="1">
+              <a:lnSpc>
+                <a:spcPct val="90000"/>
+              </a:lnSpc>
+              <a:spcBef>
+                <a:spcPts val="500"/>
+              </a:spcBef>
+              <a:buFont typeface="Arial" panose="020B0604020202020204" pitchFamily="34" charset="0"/>
+              <a:buChar char="•"/>
+              <a:defRPr sz="1800" kern="1200">
+                <a:solidFill>
+                  <a:schemeClr val="tx1"/>
+                </a:solidFill>
+                <a:latin typeface="+mn-lt"/>
+                <a:ea typeface="+mn-ea"/>
+                <a:cs typeface="+mn-cs"/>
+              </a:defRPr>
+            </a:lvl6pPr>
+            <a:lvl7pPr marL="2971800" indent="-228600" algn="l" defTabSz="914400" rtl="0" eaLnBrk="1" latinLnBrk="0" hangingPunct="1">
+              <a:lnSpc>
+                <a:spcPct val="90000"/>
+              </a:lnSpc>
+              <a:spcBef>
+                <a:spcPts val="500"/>
+              </a:spcBef>
+              <a:buFont typeface="Arial" panose="020B0604020202020204" pitchFamily="34" charset="0"/>
+              <a:buChar char="•"/>
+              <a:defRPr sz="1800" kern="1200">
+                <a:solidFill>
+                  <a:schemeClr val="tx1"/>
+                </a:solidFill>
+                <a:latin typeface="+mn-lt"/>
+                <a:ea typeface="+mn-ea"/>
+                <a:cs typeface="+mn-cs"/>
+              </a:defRPr>
+            </a:lvl7pPr>
+            <a:lvl8pPr marL="3429000" indent="-228600" algn="l" defTabSz="914400" rtl="0" eaLnBrk="1" latinLnBrk="0" hangingPunct="1">
+              <a:lnSpc>
+                <a:spcPct val="90000"/>
+              </a:lnSpc>
+              <a:spcBef>
+                <a:spcPts val="500"/>
+              </a:spcBef>
+              <a:buFont typeface="Arial" panose="020B0604020202020204" pitchFamily="34" charset="0"/>
+              <a:buChar char="•"/>
+              <a:defRPr sz="1800" kern="1200">
+                <a:solidFill>
+                  <a:schemeClr val="tx1"/>
+                </a:solidFill>
+                <a:latin typeface="+mn-lt"/>
+                <a:ea typeface="+mn-ea"/>
+                <a:cs typeface="+mn-cs"/>
+              </a:defRPr>
+            </a:lvl8pPr>
+            <a:lvl9pPr marL="3886200" indent="-228600" algn="l" defTabSz="914400" rtl="0" eaLnBrk="1" latinLnBrk="0" hangingPunct="1">
+              <a:lnSpc>
+                <a:spcPct val="90000"/>
+              </a:lnSpc>
+              <a:spcBef>
+                <a:spcPts val="500"/>
+              </a:spcBef>
+              <a:buFont typeface="Arial" panose="020B0604020202020204" pitchFamily="34" charset="0"/>
+              <a:buChar char="•"/>
+              <a:defRPr sz="1800" kern="1200">
+                <a:solidFill>
+                  <a:schemeClr val="tx1"/>
+                </a:solidFill>
+                <a:latin typeface="+mn-lt"/>
+                <a:ea typeface="+mn-ea"/>
+                <a:cs typeface="+mn-cs"/>
+              </a:defRPr>
+            </a:lvl9pPr>
+          </a:lstStyle>
+          <a:p>
+            <a:pPr marL="0" indent="0">
+              <a:buFont typeface="Arial" panose="020B0604020202020204" pitchFamily="34" charset="0"/>
+              <a:buNone/>
+            </a:pPr>
+            <a:r>
+              <a:rPr lang="en-US" b="1" u="sng" dirty="0" smtClean="0"/>
+              <a:t>End requirements for the project:</a:t>
+            </a:r>
+          </a:p>
+          <a:p>
+            <a:pPr marL="0" indent="0">
+              <a:buFont typeface="Arial" panose="020B0604020202020204" pitchFamily="34" charset="0"/>
+              <a:buNone/>
+            </a:pPr>
+            <a:r>
+              <a:rPr lang="en-US" dirty="0" smtClean="0"/>
+              <a:t>Linux Operating System;</a:t>
+            </a:r>
+          </a:p>
+          <a:p>
+            <a:pPr marL="0" indent="0">
+              <a:buFont typeface="Arial" panose="020B0604020202020204" pitchFamily="34" charset="0"/>
+              <a:buNone/>
+            </a:pPr>
+            <a:r>
+              <a:rPr lang="en-US" dirty="0" smtClean="0"/>
+              <a:t>Python Programming Language;</a:t>
+            </a:r>
+          </a:p>
+          <a:p>
+            <a:pPr marL="0" indent="0">
+              <a:buFont typeface="Arial" panose="020B0604020202020204" pitchFamily="34" charset="0"/>
+              <a:buNone/>
+            </a:pPr>
+            <a:r>
+              <a:rPr lang="en-US" dirty="0" smtClean="0"/>
+              <a:t>Node.js;</a:t>
+            </a:r>
+          </a:p>
+          <a:p>
+            <a:pPr marL="0" indent="0">
+              <a:buFont typeface="Arial" panose="020B0604020202020204" pitchFamily="34" charset="0"/>
+              <a:buNone/>
+            </a:pPr>
+            <a:r>
+              <a:rPr lang="en-US" dirty="0" err="1" smtClean="0"/>
+              <a:t>Blynk</a:t>
+            </a:r>
+            <a:r>
+              <a:rPr lang="en-US" dirty="0" smtClean="0"/>
+              <a:t> Cloud Server;</a:t>
+            </a:r>
+          </a:p>
+          <a:p>
+            <a:pPr marL="0" indent="0">
+              <a:buFont typeface="Arial" panose="020B0604020202020204" pitchFamily="34" charset="0"/>
+              <a:buNone/>
+            </a:pPr>
+            <a:r>
+              <a:rPr lang="en-US" dirty="0" smtClean="0"/>
+              <a:t>Time library package;</a:t>
+            </a:r>
+          </a:p>
+          <a:p>
+            <a:pPr marL="0" indent="0">
+              <a:buFont typeface="Arial" panose="020B0604020202020204" pitchFamily="34" charset="0"/>
+              <a:buNone/>
+            </a:pPr>
+            <a:r>
+              <a:rPr lang="en-US" dirty="0" err="1" smtClean="0"/>
+              <a:t>Git_hub</a:t>
+            </a:r>
+            <a:r>
+              <a:rPr lang="en-US" dirty="0" smtClean="0"/>
+              <a:t> library package;</a:t>
+            </a:r>
+          </a:p>
+          <a:p>
+            <a:pPr marL="0" indent="0">
+              <a:buFont typeface="Arial" panose="020B0604020202020204" pitchFamily="34" charset="0"/>
+              <a:buNone/>
+            </a:pPr>
+            <a:r>
+              <a:rPr lang="en-US" dirty="0" err="1" smtClean="0"/>
+              <a:t>Json</a:t>
+            </a:r>
+            <a:r>
+              <a:rPr lang="en-US" dirty="0" smtClean="0"/>
+              <a:t> library package;</a:t>
+            </a:r>
+          </a:p>
+          <a:p>
+            <a:pPr marL="0" indent="0">
+              <a:buFont typeface="Arial" panose="020B0604020202020204" pitchFamily="34" charset="0"/>
+              <a:buNone/>
+            </a:pPr>
+            <a:r>
+              <a:rPr lang="en-US" dirty="0" err="1" smtClean="0"/>
+              <a:t>Adafruit</a:t>
+            </a:r>
+            <a:r>
+              <a:rPr lang="en-US" dirty="0" smtClean="0"/>
+              <a:t> library package;</a:t>
+            </a:r>
+          </a:p>
+          <a:p>
+            <a:pPr marL="0" indent="0">
+              <a:buFont typeface="Arial" panose="020B0604020202020204" pitchFamily="34" charset="0"/>
+              <a:buNone/>
+            </a:pPr>
+            <a:r>
+              <a:rPr lang="en-US" dirty="0" err="1" smtClean="0"/>
+              <a:t>Npm</a:t>
+            </a:r>
+            <a:r>
+              <a:rPr lang="en-US" dirty="0" smtClean="0"/>
+              <a:t> library package.</a:t>
+            </a:r>
+          </a:p>
+        </p:txBody>
+      </p:sp>
     </p:spTree>
-    <p:extLst>
-      <p:ext uri="{BB962C8B-B14F-4D97-AF65-F5344CB8AC3E}">
-        <p14:creationId xmlns:p14="http://schemas.microsoft.com/office/powerpoint/2010/main" val="1260583084"/>
-      </p:ext>
-    </p:extLst>
   </p:cSld>
   <p:clrMapOvr>
     <a:masterClrMapping/>
   </p:clrMapOvr>
-  <p:timing>
-    <p:tnLst>
-      <p:par>
-        <p:cTn id="1" dur="indefinite" restart="never" nodeType="tmRoot"/>
-      </p:par>
-    </p:tnLst>
-  </p:timing>
 </p:sld>
 </file>
 
@@ -5561,7 +6525,7 @@
       </p:grpSpPr>
       <p:sp>
         <p:nvSpPr>
-          <p:cNvPr id="2" name="Title 1"/>
+          <p:cNvPr id="2" name="Заголовок 1"/>
           <p:cNvSpPr>
             <a:spLocks noGrp="1"/>
           </p:cNvSpPr>
@@ -5569,153 +6533,67 @@
             <p:ph type="title"/>
           </p:nvPr>
         </p:nvSpPr>
-        <p:spPr>
+        <p:spPr/>
+        <p:txBody>
+          <a:bodyPr/>
+          <a:lstStyle/>
+          <a:p>
+            <a:endParaRPr lang="en-US"/>
+          </a:p>
+        </p:txBody>
+      </p:sp>
+      <p:sp>
+        <p:nvSpPr>
+          <p:cNvPr id="3" name="Содержимое 2"/>
+          <p:cNvSpPr>
+            <a:spLocks noGrp="1"/>
+          </p:cNvSpPr>
+          <p:nvPr>
+            <p:ph idx="1"/>
+          </p:nvPr>
+        </p:nvSpPr>
+        <p:spPr/>
+        <p:txBody>
+          <a:bodyPr/>
+          <a:lstStyle/>
+          <a:p>
+            <a:endParaRPr lang="en-US"/>
+          </a:p>
+        </p:txBody>
+      </p:sp>
+      <p:pic>
+        <p:nvPicPr>
+          <p:cNvPr id="1026" name="Picture 2"/>
+          <p:cNvPicPr>
+            <a:picLocks noChangeAspect="1" noChangeArrowheads="1"/>
+          </p:cNvPicPr>
+          <p:nvPr/>
+        </p:nvPicPr>
+        <p:blipFill>
+          <a:blip r:embed="rId2" cstate="print"/>
+          <a:srcRect/>
+          <a:stretch>
+            <a:fillRect/>
+          </a:stretch>
+        </p:blipFill>
+        <p:spPr bwMode="auto">
           <a:xfrm>
-            <a:off x="0" y="241301"/>
-            <a:ext cx="12192000" cy="741194"/>
-          </a:xfrm>
-          <a:solidFill>
-            <a:schemeClr val="bg1">
-              <a:lumMod val="95000"/>
-            </a:schemeClr>
-          </a:solidFill>
-        </p:spPr>
-        <p:txBody>
-          <a:bodyPr/>
-          <a:lstStyle/>
-          <a:p>
-            <a:pPr algn="ctr"/>
-            <a:r>
-              <a:rPr lang="en-US" b="1" dirty="0" smtClean="0"/>
-              <a:t>Conclusion</a:t>
-            </a:r>
-            <a:endParaRPr lang="en-US" b="1" dirty="0"/>
-          </a:p>
-        </p:txBody>
-      </p:sp>
-      <p:sp>
-        <p:nvSpPr>
-          <p:cNvPr id="3" name="Content Placeholder 2"/>
-          <p:cNvSpPr>
-            <a:spLocks noGrp="1"/>
-          </p:cNvSpPr>
-          <p:nvPr>
-            <p:ph idx="1"/>
-          </p:nvPr>
-        </p:nvSpPr>
-        <p:spPr>
-          <a:xfrm>
-            <a:off x="552450" y="982495"/>
-            <a:ext cx="11087100" cy="5067300"/>
-          </a:xfrm>
-        </p:spPr>
-        <p:txBody>
-          <a:bodyPr>
-            <a:normAutofit/>
-          </a:bodyPr>
-          <a:lstStyle/>
-          <a:p>
-            <a:r>
-              <a:rPr lang="en-US" dirty="0" smtClean="0"/>
-              <a:t>The proposed system strengthens somehow the security conditions considerably, and it has several multifunctional ways to lock and unlock the door at a time.</a:t>
-            </a:r>
-          </a:p>
-          <a:p>
-            <a:r>
-              <a:rPr lang="en-US" dirty="0" smtClean="0"/>
-              <a:t>Besides, it has a Magic Mirror that shows some important data about the condition of the room and others. </a:t>
-            </a:r>
-          </a:p>
-          <a:p>
-            <a:r>
-              <a:rPr lang="en-US" dirty="0" smtClean="0"/>
-              <a:t>Additionally, the user can watch the video on the Magic Mirror. </a:t>
-            </a:r>
-          </a:p>
-          <a:p>
-            <a:r>
-              <a:rPr lang="en-US" dirty="0" smtClean="0"/>
-              <a:t>Importantly, the intended and ongoing project is mainly build on Raspberry Pi using a Python programming language using Linux Operating System in order to contribute to the development of the Door Security System on the places. </a:t>
-            </a:r>
-          </a:p>
-          <a:p>
-            <a:r>
-              <a:rPr lang="en-US" dirty="0" smtClean="0"/>
-              <a:t>All existing products interact to each other and work collaboratively.</a:t>
-            </a:r>
-          </a:p>
-          <a:p>
-            <a:endParaRPr lang="en-US" dirty="0"/>
-          </a:p>
-        </p:txBody>
-      </p:sp>
-      <p:sp>
-        <p:nvSpPr>
-          <p:cNvPr id="4" name="Rectangle 3"/>
-          <p:cNvSpPr/>
-          <p:nvPr/>
-        </p:nvSpPr>
-        <p:spPr>
-          <a:xfrm>
-            <a:off x="0" y="5860025"/>
-            <a:ext cx="1492898" cy="923330"/>
+            <a:off x="2437861" y="0"/>
+            <a:ext cx="7143750" cy="8305800"/>
           </a:xfrm>
           <a:prstGeom prst="rect">
             <a:avLst/>
           </a:prstGeom>
           <a:noFill/>
+          <a:ln w="9525">
+            <a:noFill/>
+            <a:miter lim="800000"/>
+            <a:headEnd/>
+            <a:tailEnd/>
+          </a:ln>
         </p:spPr>
-        <p:txBody>
-          <a:bodyPr wrap="square" lIns="91440" tIns="45720" rIns="91440" bIns="45720">
-            <a:spAutoFit/>
-          </a:bodyPr>
-          <a:lstStyle/>
-          <a:p>
-            <a:pPr algn="ctr"/>
-            <a:r>
-              <a:rPr lang="en-US" sz="5400" b="1" cap="none" spc="0" dirty="0" smtClean="0">
-                <a:ln w="6600">
-                  <a:solidFill>
-                    <a:schemeClr val="accent2"/>
-                  </a:solidFill>
-                  <a:prstDash val="solid"/>
-                </a:ln>
-                <a:solidFill>
-                  <a:srgbClr val="FF0000"/>
-                </a:solidFill>
-                <a:effectLst>
-                  <a:outerShdw dist="38100" dir="2700000" algn="tl" rotWithShape="0">
-                    <a:schemeClr val="accent2"/>
-                  </a:outerShdw>
-                </a:effectLst>
-              </a:rPr>
-              <a:t>DSU</a:t>
-            </a:r>
-            <a:endParaRPr lang="en-US" sz="5400" b="1" cap="none" spc="0" dirty="0">
-              <a:ln w="6600">
-                <a:solidFill>
-                  <a:schemeClr val="accent2"/>
-                </a:solidFill>
-                <a:prstDash val="solid"/>
-              </a:ln>
-              <a:solidFill>
-                <a:srgbClr val="FF0000"/>
-              </a:solidFill>
-              <a:effectLst>
-                <a:outerShdw dist="38100" dir="2700000" algn="tl" rotWithShape="0">
-                  <a:schemeClr val="accent2"/>
-                </a:outerShdw>
-              </a:effectLst>
-            </a:endParaRPr>
-          </a:p>
-        </p:txBody>
-      </p:sp>
+      </p:pic>
     </p:spTree>
-    <p:extLst>
-      <p:ext uri="{BB962C8B-B14F-4D97-AF65-F5344CB8AC3E}">
-        <p14:creationId xmlns:p14="http://schemas.microsoft.com/office/powerpoint/2010/main" val="1551493951"/>
-      </p:ext>
-    </p:extLst>
   </p:cSld>
   <p:clrMapOvr>
     <a:masterClrMapping/>
@@ -5773,7 +6651,7 @@
     </a:clrScheme>
     <a:fontScheme name="Office">
       <a:majorFont>
-        <a:latin typeface="Calibri Light" panose="020F0302020204030204"/>
+        <a:latin typeface="Calibri Light"/>
         <a:ea typeface=""/>
         <a:cs typeface=""/>
         <a:font script="Jpan" typeface="游ゴシック Light"/>
@@ -5808,7 +6686,7 @@
         <a:font script="Geor" typeface="Sylfaen"/>
       </a:majorFont>
       <a:minorFont>
-        <a:latin typeface="Calibri" panose="020F0502020204030204"/>
+        <a:latin typeface="Calibri"/>
         <a:ea typeface=""/>
         <a:cs typeface=""/>
         <a:font script="Jpan" typeface="游ゴシック"/>
@@ -5985,7 +6863,7 @@
   <a:extraClrSchemeLst/>
   <a:extLst>
     <a:ext uri="{05A4C25C-085E-4340-85A3-A5531E510DB2}">
-      <thm15:themeFamily xmlns:thm15="http://schemas.microsoft.com/office/thememl/2012/main" name="Office Theme" id="{62F939B6-93AF-4DB8-9C6B-D6C7DFDC589F}" vid="{4A3C46E8-61CC-4603-A589-7422A47A8E4A}"/>
+      <thm15:themeFamily xmlns:thm15="http://schemas.microsoft.com/office/thememl/2012/main" xmlns="" name="Office Theme" id="{62F939B6-93AF-4DB8-9C6B-D6C7DFDC589F}" vid="{4A3C46E8-61CC-4603-A589-7422A47A8E4A}"/>
     </a:ext>
   </a:extLst>
 </a:theme>
@@ -6034,7 +6912,7 @@
     </a:clrScheme>
     <a:fontScheme name="Office">
       <a:majorFont>
-        <a:latin typeface="Calibri Light" panose="020F0302020204030204"/>
+        <a:latin typeface="Calibri Light"/>
         <a:ea typeface=""/>
         <a:cs typeface=""/>
         <a:font script="Jpan" typeface="游ゴシック Light"/>
@@ -6069,7 +6947,7 @@
         <a:font script="Geor" typeface="Sylfaen"/>
       </a:majorFont>
       <a:minorFont>
-        <a:latin typeface="Calibri" panose="020F0502020204030204"/>
+        <a:latin typeface="Calibri"/>
         <a:ea typeface=""/>
         <a:cs typeface=""/>
         <a:font script="Jpan" typeface="游ゴシック"/>
@@ -6246,7 +7124,7 @@
   <a:extraClrSchemeLst/>
   <a:extLst>
     <a:ext uri="{05A4C25C-085E-4340-85A3-A5531E510DB2}">
-      <thm15:themeFamily xmlns:thm15="http://schemas.microsoft.com/office/thememl/2012/main" name="Office Theme" id="{62F939B6-93AF-4DB8-9C6B-D6C7DFDC589F}" vid="{4A3C46E8-61CC-4603-A589-7422A47A8E4A}"/>
+      <thm15:themeFamily xmlns:thm15="http://schemas.microsoft.com/office/thememl/2012/main" xmlns="" name="Office Theme" id="{62F939B6-93AF-4DB8-9C6B-D6C7DFDC589F}" vid="{4A3C46E8-61CC-4603-A589-7422A47A8E4A}"/>
     </a:ext>
   </a:extLst>
 </a:theme>
